--- a/ppt 16-9/1233.信徒奋进.pptx
+++ b/ppt 16-9/1233.信徒奋进.pptx
@@ -129,7 +129,7 @@
           <p:cNvPr id="2" name="标题 1">
             <a:extLst>
               <a:ext uri="{FF2B5EF4-FFF2-40B4-BE49-F238E27FC236}">
-                <a16:creationId xmlns:a16="http://schemas.microsoft.com/office/drawing/2014/main" id="{3B49EC29-4E62-885F-BFA9-5FA0217219F9}"/>
+                <a16:creationId xmlns:a16="http://schemas.microsoft.com/office/drawing/2014/main" id="{4250B1FA-1563-25BA-769F-02EE058302B8}"/>
               </a:ext>
             </a:extLst>
           </p:cNvPr>
@@ -166,7 +166,7 @@
           <p:cNvPr id="3" name="副标题 2">
             <a:extLst>
               <a:ext uri="{FF2B5EF4-FFF2-40B4-BE49-F238E27FC236}">
-                <a16:creationId xmlns:a16="http://schemas.microsoft.com/office/drawing/2014/main" id="{B3C1852F-E14A-7B86-EA97-4335543F6FB2}"/>
+                <a16:creationId xmlns:a16="http://schemas.microsoft.com/office/drawing/2014/main" id="{EF5B6D1B-A9F8-C25D-22D7-2516492FDC3B}"/>
               </a:ext>
             </a:extLst>
           </p:cNvPr>
@@ -236,7 +236,7 @@
           <p:cNvPr id="4" name="日期占位符 3">
             <a:extLst>
               <a:ext uri="{FF2B5EF4-FFF2-40B4-BE49-F238E27FC236}">
-                <a16:creationId xmlns:a16="http://schemas.microsoft.com/office/drawing/2014/main" id="{5546A634-B62B-BC42-8E79-E7BCA43B994F}"/>
+                <a16:creationId xmlns:a16="http://schemas.microsoft.com/office/drawing/2014/main" id="{22F493AC-FAB8-A07F-2134-3D5563E60EE8}"/>
               </a:ext>
             </a:extLst>
           </p:cNvPr>
@@ -252,7 +252,7 @@
           <a:bodyPr/>
           <a:lstStyle/>
           <a:p>
-            <a:fld id="{43A1B00C-DCA3-4AA8-890B-2EDD1DB14556}" type="datetimeFigureOut">
+            <a:fld id="{5A253273-6AF2-4987-B566-54D7F49A4C21}" type="datetimeFigureOut">
               <a:rPr lang="zh-CN" altLang="en-US" smtClean="0"/>
               <a:t>2024/3/10</a:t>
             </a:fld>
@@ -265,7 +265,7 @@
           <p:cNvPr id="5" name="页脚占位符 4">
             <a:extLst>
               <a:ext uri="{FF2B5EF4-FFF2-40B4-BE49-F238E27FC236}">
-                <a16:creationId xmlns:a16="http://schemas.microsoft.com/office/drawing/2014/main" id="{E57A1A61-46E7-F90E-18B9-C4F3416B25FD}"/>
+                <a16:creationId xmlns:a16="http://schemas.microsoft.com/office/drawing/2014/main" id="{64D42D90-8C2C-26C2-025F-8533110F9DB1}"/>
               </a:ext>
             </a:extLst>
           </p:cNvPr>
@@ -290,7 +290,7 @@
           <p:cNvPr id="6" name="灯片编号占位符 5">
             <a:extLst>
               <a:ext uri="{FF2B5EF4-FFF2-40B4-BE49-F238E27FC236}">
-                <a16:creationId xmlns:a16="http://schemas.microsoft.com/office/drawing/2014/main" id="{24BFC4B6-40BA-1EA4-EAF8-DF0F0F97BA0A}"/>
+                <a16:creationId xmlns:a16="http://schemas.microsoft.com/office/drawing/2014/main" id="{06D7B1BB-92E7-05EE-9AC6-94AEA791C4C2}"/>
               </a:ext>
             </a:extLst>
           </p:cNvPr>
@@ -306,7 +306,7 @@
           <a:bodyPr/>
           <a:lstStyle/>
           <a:p>
-            <a:fld id="{F0701156-51C2-44A9-A7A4-DFC9663E02CF}" type="slidenum">
+            <a:fld id="{F3D6ADB1-D8EF-4FE8-A3B3-11EA0AC8F44B}" type="slidenum">
               <a:rPr lang="zh-CN" altLang="en-US" smtClean="0"/>
               <a:t>‹#›</a:t>
             </a:fld>
@@ -317,7 +317,7 @@
     </p:spTree>
     <p:extLst>
       <p:ext uri="{BB962C8B-B14F-4D97-AF65-F5344CB8AC3E}">
-        <p14:creationId xmlns:p14="http://schemas.microsoft.com/office/powerpoint/2010/main" val="4095572569"/>
+        <p14:creationId xmlns:p14="http://schemas.microsoft.com/office/powerpoint/2010/main" val="492087193"/>
       </p:ext>
     </p:extLst>
   </p:cSld>
@@ -349,7 +349,7 @@
           <p:cNvPr id="2" name="标题 1">
             <a:extLst>
               <a:ext uri="{FF2B5EF4-FFF2-40B4-BE49-F238E27FC236}">
-                <a16:creationId xmlns:a16="http://schemas.microsoft.com/office/drawing/2014/main" id="{ACF85AC2-78B4-84F2-869A-AB929E5FB62A}"/>
+                <a16:creationId xmlns:a16="http://schemas.microsoft.com/office/drawing/2014/main" id="{64B8F074-C47A-CB8F-D7AA-7B2FDC61E6A3}"/>
               </a:ext>
             </a:extLst>
           </p:cNvPr>
@@ -377,7 +377,7 @@
           <p:cNvPr id="3" name="竖排文字占位符 2">
             <a:extLst>
               <a:ext uri="{FF2B5EF4-FFF2-40B4-BE49-F238E27FC236}">
-                <a16:creationId xmlns:a16="http://schemas.microsoft.com/office/drawing/2014/main" id="{ABBF9F44-D3A5-AA2B-903C-4106AA542336}"/>
+                <a16:creationId xmlns:a16="http://schemas.microsoft.com/office/drawing/2014/main" id="{A47B0DD9-8C25-C7C5-168E-FD4B6A8A517E}"/>
               </a:ext>
             </a:extLst>
           </p:cNvPr>
@@ -434,7 +434,7 @@
           <p:cNvPr id="4" name="日期占位符 3">
             <a:extLst>
               <a:ext uri="{FF2B5EF4-FFF2-40B4-BE49-F238E27FC236}">
-                <a16:creationId xmlns:a16="http://schemas.microsoft.com/office/drawing/2014/main" id="{D950FC6B-7884-FCD2-72F8-E6AC16A3ADA0}"/>
+                <a16:creationId xmlns:a16="http://schemas.microsoft.com/office/drawing/2014/main" id="{C661682D-42CD-A280-9EB1-8398469996D1}"/>
               </a:ext>
             </a:extLst>
           </p:cNvPr>
@@ -450,7 +450,7 @@
           <a:bodyPr/>
           <a:lstStyle/>
           <a:p>
-            <a:fld id="{43A1B00C-DCA3-4AA8-890B-2EDD1DB14556}" type="datetimeFigureOut">
+            <a:fld id="{5A253273-6AF2-4987-B566-54D7F49A4C21}" type="datetimeFigureOut">
               <a:rPr lang="zh-CN" altLang="en-US" smtClean="0"/>
               <a:t>2024/3/10</a:t>
             </a:fld>
@@ -463,7 +463,7 @@
           <p:cNvPr id="5" name="页脚占位符 4">
             <a:extLst>
               <a:ext uri="{FF2B5EF4-FFF2-40B4-BE49-F238E27FC236}">
-                <a16:creationId xmlns:a16="http://schemas.microsoft.com/office/drawing/2014/main" id="{CBB9C14E-756C-1DE3-F611-92A9A767FCED}"/>
+                <a16:creationId xmlns:a16="http://schemas.microsoft.com/office/drawing/2014/main" id="{9EC222F0-F282-2E5B-262C-C3CE33DDD8D4}"/>
               </a:ext>
             </a:extLst>
           </p:cNvPr>
@@ -488,7 +488,7 @@
           <p:cNvPr id="6" name="灯片编号占位符 5">
             <a:extLst>
               <a:ext uri="{FF2B5EF4-FFF2-40B4-BE49-F238E27FC236}">
-                <a16:creationId xmlns:a16="http://schemas.microsoft.com/office/drawing/2014/main" id="{47DD367D-9090-46DF-AE9A-BF10F13BD603}"/>
+                <a16:creationId xmlns:a16="http://schemas.microsoft.com/office/drawing/2014/main" id="{5DE4BB1D-187C-8E00-2A44-6E9EBA85E4D9}"/>
               </a:ext>
             </a:extLst>
           </p:cNvPr>
@@ -504,7 +504,7 @@
           <a:bodyPr/>
           <a:lstStyle/>
           <a:p>
-            <a:fld id="{F0701156-51C2-44A9-A7A4-DFC9663E02CF}" type="slidenum">
+            <a:fld id="{F3D6ADB1-D8EF-4FE8-A3B3-11EA0AC8F44B}" type="slidenum">
               <a:rPr lang="zh-CN" altLang="en-US" smtClean="0"/>
               <a:t>‹#›</a:t>
             </a:fld>
@@ -515,7 +515,7 @@
     </p:spTree>
     <p:extLst>
       <p:ext uri="{BB962C8B-B14F-4D97-AF65-F5344CB8AC3E}">
-        <p14:creationId xmlns:p14="http://schemas.microsoft.com/office/powerpoint/2010/main" val="1775366225"/>
+        <p14:creationId xmlns:p14="http://schemas.microsoft.com/office/powerpoint/2010/main" val="429840268"/>
       </p:ext>
     </p:extLst>
   </p:cSld>
@@ -547,7 +547,7 @@
           <p:cNvPr id="2" name="竖排标题 1">
             <a:extLst>
               <a:ext uri="{FF2B5EF4-FFF2-40B4-BE49-F238E27FC236}">
-                <a16:creationId xmlns:a16="http://schemas.microsoft.com/office/drawing/2014/main" id="{054D5285-C14F-7112-B25D-BC8681EA2888}"/>
+                <a16:creationId xmlns:a16="http://schemas.microsoft.com/office/drawing/2014/main" id="{FFC54380-1DBF-57E2-56A2-C46DB8DC1BCD}"/>
               </a:ext>
             </a:extLst>
           </p:cNvPr>
@@ -580,7 +580,7 @@
           <p:cNvPr id="3" name="竖排文字占位符 2">
             <a:extLst>
               <a:ext uri="{FF2B5EF4-FFF2-40B4-BE49-F238E27FC236}">
-                <a16:creationId xmlns:a16="http://schemas.microsoft.com/office/drawing/2014/main" id="{033433CF-1938-427D-A458-BFDA8EDD322B}"/>
+                <a16:creationId xmlns:a16="http://schemas.microsoft.com/office/drawing/2014/main" id="{0C0E3364-4586-7F9C-ED2C-FFDD862789B9}"/>
               </a:ext>
             </a:extLst>
           </p:cNvPr>
@@ -642,7 +642,7 @@
           <p:cNvPr id="4" name="日期占位符 3">
             <a:extLst>
               <a:ext uri="{FF2B5EF4-FFF2-40B4-BE49-F238E27FC236}">
-                <a16:creationId xmlns:a16="http://schemas.microsoft.com/office/drawing/2014/main" id="{AA121808-5F37-6685-7EFB-E0F67BBBA4E1}"/>
+                <a16:creationId xmlns:a16="http://schemas.microsoft.com/office/drawing/2014/main" id="{05B126BE-64AF-C627-31A4-6AAA8AB155F2}"/>
               </a:ext>
             </a:extLst>
           </p:cNvPr>
@@ -658,7 +658,7 @@
           <a:bodyPr/>
           <a:lstStyle/>
           <a:p>
-            <a:fld id="{43A1B00C-DCA3-4AA8-890B-2EDD1DB14556}" type="datetimeFigureOut">
+            <a:fld id="{5A253273-6AF2-4987-B566-54D7F49A4C21}" type="datetimeFigureOut">
               <a:rPr lang="zh-CN" altLang="en-US" smtClean="0"/>
               <a:t>2024/3/10</a:t>
             </a:fld>
@@ -671,7 +671,7 @@
           <p:cNvPr id="5" name="页脚占位符 4">
             <a:extLst>
               <a:ext uri="{FF2B5EF4-FFF2-40B4-BE49-F238E27FC236}">
-                <a16:creationId xmlns:a16="http://schemas.microsoft.com/office/drawing/2014/main" id="{59230159-C75D-A2CC-38DC-AB0C68D605C6}"/>
+                <a16:creationId xmlns:a16="http://schemas.microsoft.com/office/drawing/2014/main" id="{728D3F9D-0AAD-BEFB-2C49-63FE03F59AE5}"/>
               </a:ext>
             </a:extLst>
           </p:cNvPr>
@@ -696,7 +696,7 @@
           <p:cNvPr id="6" name="灯片编号占位符 5">
             <a:extLst>
               <a:ext uri="{FF2B5EF4-FFF2-40B4-BE49-F238E27FC236}">
-                <a16:creationId xmlns:a16="http://schemas.microsoft.com/office/drawing/2014/main" id="{55AE76E7-0EC5-184C-70EB-3B0EEAF67B57}"/>
+                <a16:creationId xmlns:a16="http://schemas.microsoft.com/office/drawing/2014/main" id="{F5EFA7BF-833A-8E6F-E967-3F022A01C93C}"/>
               </a:ext>
             </a:extLst>
           </p:cNvPr>
@@ -712,7 +712,7 @@
           <a:bodyPr/>
           <a:lstStyle/>
           <a:p>
-            <a:fld id="{F0701156-51C2-44A9-A7A4-DFC9663E02CF}" type="slidenum">
+            <a:fld id="{F3D6ADB1-D8EF-4FE8-A3B3-11EA0AC8F44B}" type="slidenum">
               <a:rPr lang="zh-CN" altLang="en-US" smtClean="0"/>
               <a:t>‹#›</a:t>
             </a:fld>
@@ -723,7 +723,7 @@
     </p:spTree>
     <p:extLst>
       <p:ext uri="{BB962C8B-B14F-4D97-AF65-F5344CB8AC3E}">
-        <p14:creationId xmlns:p14="http://schemas.microsoft.com/office/powerpoint/2010/main" val="1568140229"/>
+        <p14:creationId xmlns:p14="http://schemas.microsoft.com/office/powerpoint/2010/main" val="1236926451"/>
       </p:ext>
     </p:extLst>
   </p:cSld>
@@ -755,7 +755,7 @@
           <p:cNvPr id="2" name="标题 1">
             <a:extLst>
               <a:ext uri="{FF2B5EF4-FFF2-40B4-BE49-F238E27FC236}">
-                <a16:creationId xmlns:a16="http://schemas.microsoft.com/office/drawing/2014/main" id="{BC3DC90A-3E1C-ED92-685C-1ACAEEF8396C}"/>
+                <a16:creationId xmlns:a16="http://schemas.microsoft.com/office/drawing/2014/main" id="{69780475-715B-E7F3-3AD6-670BAEF2287B}"/>
               </a:ext>
             </a:extLst>
           </p:cNvPr>
@@ -783,7 +783,7 @@
           <p:cNvPr id="3" name="内容占位符 2">
             <a:extLst>
               <a:ext uri="{FF2B5EF4-FFF2-40B4-BE49-F238E27FC236}">
-                <a16:creationId xmlns:a16="http://schemas.microsoft.com/office/drawing/2014/main" id="{192B7117-03CF-15BE-032B-BA0DA565450F}"/>
+                <a16:creationId xmlns:a16="http://schemas.microsoft.com/office/drawing/2014/main" id="{8BD6BB8D-A539-C2A7-F925-DC1929946A74}"/>
               </a:ext>
             </a:extLst>
           </p:cNvPr>
@@ -840,7 +840,7 @@
           <p:cNvPr id="4" name="日期占位符 3">
             <a:extLst>
               <a:ext uri="{FF2B5EF4-FFF2-40B4-BE49-F238E27FC236}">
-                <a16:creationId xmlns:a16="http://schemas.microsoft.com/office/drawing/2014/main" id="{8CFA7053-1E54-54BF-CF84-87FA20157747}"/>
+                <a16:creationId xmlns:a16="http://schemas.microsoft.com/office/drawing/2014/main" id="{221EEAFD-718D-29AE-F260-EF90986595F2}"/>
               </a:ext>
             </a:extLst>
           </p:cNvPr>
@@ -856,7 +856,7 @@
           <a:bodyPr/>
           <a:lstStyle/>
           <a:p>
-            <a:fld id="{43A1B00C-DCA3-4AA8-890B-2EDD1DB14556}" type="datetimeFigureOut">
+            <a:fld id="{5A253273-6AF2-4987-B566-54D7F49A4C21}" type="datetimeFigureOut">
               <a:rPr lang="zh-CN" altLang="en-US" smtClean="0"/>
               <a:t>2024/3/10</a:t>
             </a:fld>
@@ -869,7 +869,7 @@
           <p:cNvPr id="5" name="页脚占位符 4">
             <a:extLst>
               <a:ext uri="{FF2B5EF4-FFF2-40B4-BE49-F238E27FC236}">
-                <a16:creationId xmlns:a16="http://schemas.microsoft.com/office/drawing/2014/main" id="{516212E3-7BE1-F99A-ED7E-27454D866954}"/>
+                <a16:creationId xmlns:a16="http://schemas.microsoft.com/office/drawing/2014/main" id="{51BB6EE9-BEAD-96D1-A28C-EFA3BD323D27}"/>
               </a:ext>
             </a:extLst>
           </p:cNvPr>
@@ -894,7 +894,7 @@
           <p:cNvPr id="6" name="灯片编号占位符 5">
             <a:extLst>
               <a:ext uri="{FF2B5EF4-FFF2-40B4-BE49-F238E27FC236}">
-                <a16:creationId xmlns:a16="http://schemas.microsoft.com/office/drawing/2014/main" id="{859D2371-8D3C-3B17-A6AB-7A5F077C2658}"/>
+                <a16:creationId xmlns:a16="http://schemas.microsoft.com/office/drawing/2014/main" id="{AD0E36CC-8960-E95C-E1BF-7ED55DCF5E6D}"/>
               </a:ext>
             </a:extLst>
           </p:cNvPr>
@@ -910,7 +910,7 @@
           <a:bodyPr/>
           <a:lstStyle/>
           <a:p>
-            <a:fld id="{F0701156-51C2-44A9-A7A4-DFC9663E02CF}" type="slidenum">
+            <a:fld id="{F3D6ADB1-D8EF-4FE8-A3B3-11EA0AC8F44B}" type="slidenum">
               <a:rPr lang="zh-CN" altLang="en-US" smtClean="0"/>
               <a:t>‹#›</a:t>
             </a:fld>
@@ -921,7 +921,7 @@
     </p:spTree>
     <p:extLst>
       <p:ext uri="{BB962C8B-B14F-4D97-AF65-F5344CB8AC3E}">
-        <p14:creationId xmlns:p14="http://schemas.microsoft.com/office/powerpoint/2010/main" val="1652852001"/>
+        <p14:creationId xmlns:p14="http://schemas.microsoft.com/office/powerpoint/2010/main" val="3249338234"/>
       </p:ext>
     </p:extLst>
   </p:cSld>
@@ -953,7 +953,7 @@
           <p:cNvPr id="2" name="标题 1">
             <a:extLst>
               <a:ext uri="{FF2B5EF4-FFF2-40B4-BE49-F238E27FC236}">
-                <a16:creationId xmlns:a16="http://schemas.microsoft.com/office/drawing/2014/main" id="{CD7B5621-7EB2-A70B-9202-F7AEDE15F54D}"/>
+                <a16:creationId xmlns:a16="http://schemas.microsoft.com/office/drawing/2014/main" id="{3C60F73C-7807-741B-0378-9AFCA9A08175}"/>
               </a:ext>
             </a:extLst>
           </p:cNvPr>
@@ -990,7 +990,7 @@
           <p:cNvPr id="3" name="文本占位符 2">
             <a:extLst>
               <a:ext uri="{FF2B5EF4-FFF2-40B4-BE49-F238E27FC236}">
-                <a16:creationId xmlns:a16="http://schemas.microsoft.com/office/drawing/2014/main" id="{C255FCED-1E13-5BC6-CCC8-AD097D7EF452}"/>
+                <a16:creationId xmlns:a16="http://schemas.microsoft.com/office/drawing/2014/main" id="{4BBC1184-C47B-00C7-BD4C-37EEFB009A31}"/>
               </a:ext>
             </a:extLst>
           </p:cNvPr>
@@ -1115,7 +1115,7 @@
           <p:cNvPr id="4" name="日期占位符 3">
             <a:extLst>
               <a:ext uri="{FF2B5EF4-FFF2-40B4-BE49-F238E27FC236}">
-                <a16:creationId xmlns:a16="http://schemas.microsoft.com/office/drawing/2014/main" id="{D8EDA4BD-7974-9CF4-5FAE-C5131F3A396F}"/>
+                <a16:creationId xmlns:a16="http://schemas.microsoft.com/office/drawing/2014/main" id="{46E35446-043C-BD7D-157C-C18798A812DD}"/>
               </a:ext>
             </a:extLst>
           </p:cNvPr>
@@ -1131,7 +1131,7 @@
           <a:bodyPr/>
           <a:lstStyle/>
           <a:p>
-            <a:fld id="{43A1B00C-DCA3-4AA8-890B-2EDD1DB14556}" type="datetimeFigureOut">
+            <a:fld id="{5A253273-6AF2-4987-B566-54D7F49A4C21}" type="datetimeFigureOut">
               <a:rPr lang="zh-CN" altLang="en-US" smtClean="0"/>
               <a:t>2024/3/10</a:t>
             </a:fld>
@@ -1144,7 +1144,7 @@
           <p:cNvPr id="5" name="页脚占位符 4">
             <a:extLst>
               <a:ext uri="{FF2B5EF4-FFF2-40B4-BE49-F238E27FC236}">
-                <a16:creationId xmlns:a16="http://schemas.microsoft.com/office/drawing/2014/main" id="{63930353-F5F6-813A-D76B-4382881CABB1}"/>
+                <a16:creationId xmlns:a16="http://schemas.microsoft.com/office/drawing/2014/main" id="{00920EFD-65CA-2814-D8EF-0873AC767111}"/>
               </a:ext>
             </a:extLst>
           </p:cNvPr>
@@ -1169,7 +1169,7 @@
           <p:cNvPr id="6" name="灯片编号占位符 5">
             <a:extLst>
               <a:ext uri="{FF2B5EF4-FFF2-40B4-BE49-F238E27FC236}">
-                <a16:creationId xmlns:a16="http://schemas.microsoft.com/office/drawing/2014/main" id="{F9CF5E11-7837-24C4-8A42-2281A49BC93C}"/>
+                <a16:creationId xmlns:a16="http://schemas.microsoft.com/office/drawing/2014/main" id="{E0CF8FEB-A907-D6B1-8681-B0CDE52AC5D5}"/>
               </a:ext>
             </a:extLst>
           </p:cNvPr>
@@ -1185,7 +1185,7 @@
           <a:bodyPr/>
           <a:lstStyle/>
           <a:p>
-            <a:fld id="{F0701156-51C2-44A9-A7A4-DFC9663E02CF}" type="slidenum">
+            <a:fld id="{F3D6ADB1-D8EF-4FE8-A3B3-11EA0AC8F44B}" type="slidenum">
               <a:rPr lang="zh-CN" altLang="en-US" smtClean="0"/>
               <a:t>‹#›</a:t>
             </a:fld>
@@ -1196,7 +1196,7 @@
     </p:spTree>
     <p:extLst>
       <p:ext uri="{BB962C8B-B14F-4D97-AF65-F5344CB8AC3E}">
-        <p14:creationId xmlns:p14="http://schemas.microsoft.com/office/powerpoint/2010/main" val="144665006"/>
+        <p14:creationId xmlns:p14="http://schemas.microsoft.com/office/powerpoint/2010/main" val="3128742933"/>
       </p:ext>
     </p:extLst>
   </p:cSld>
@@ -1228,7 +1228,7 @@
           <p:cNvPr id="2" name="标题 1">
             <a:extLst>
               <a:ext uri="{FF2B5EF4-FFF2-40B4-BE49-F238E27FC236}">
-                <a16:creationId xmlns:a16="http://schemas.microsoft.com/office/drawing/2014/main" id="{90AC744E-0E7A-EBD4-FBFC-CE1053E2F652}"/>
+                <a16:creationId xmlns:a16="http://schemas.microsoft.com/office/drawing/2014/main" id="{53D32857-5929-FCD0-FBF3-158D3B5E6451}"/>
               </a:ext>
             </a:extLst>
           </p:cNvPr>
@@ -1256,7 +1256,7 @@
           <p:cNvPr id="3" name="内容占位符 2">
             <a:extLst>
               <a:ext uri="{FF2B5EF4-FFF2-40B4-BE49-F238E27FC236}">
-                <a16:creationId xmlns:a16="http://schemas.microsoft.com/office/drawing/2014/main" id="{6A538BFE-75D3-4049-70E9-85CA813D65D7}"/>
+                <a16:creationId xmlns:a16="http://schemas.microsoft.com/office/drawing/2014/main" id="{28FDC781-E36A-3EA2-52D2-3527973958D2}"/>
               </a:ext>
             </a:extLst>
           </p:cNvPr>
@@ -1318,7 +1318,7 @@
           <p:cNvPr id="4" name="内容占位符 3">
             <a:extLst>
               <a:ext uri="{FF2B5EF4-FFF2-40B4-BE49-F238E27FC236}">
-                <a16:creationId xmlns:a16="http://schemas.microsoft.com/office/drawing/2014/main" id="{A088B89E-575C-C0C3-2E03-28F546B2003B}"/>
+                <a16:creationId xmlns:a16="http://schemas.microsoft.com/office/drawing/2014/main" id="{37CF24F7-EA88-F3CA-1F4A-908FD663E3A0}"/>
               </a:ext>
             </a:extLst>
           </p:cNvPr>
@@ -1380,7 +1380,7 @@
           <p:cNvPr id="5" name="日期占位符 4">
             <a:extLst>
               <a:ext uri="{FF2B5EF4-FFF2-40B4-BE49-F238E27FC236}">
-                <a16:creationId xmlns:a16="http://schemas.microsoft.com/office/drawing/2014/main" id="{394653EA-BAB1-4257-222B-9312332634CC}"/>
+                <a16:creationId xmlns:a16="http://schemas.microsoft.com/office/drawing/2014/main" id="{EF2C15CD-DA8A-1487-EAE1-E733B096B5EE}"/>
               </a:ext>
             </a:extLst>
           </p:cNvPr>
@@ -1396,7 +1396,7 @@
           <a:bodyPr/>
           <a:lstStyle/>
           <a:p>
-            <a:fld id="{43A1B00C-DCA3-4AA8-890B-2EDD1DB14556}" type="datetimeFigureOut">
+            <a:fld id="{5A253273-6AF2-4987-B566-54D7F49A4C21}" type="datetimeFigureOut">
               <a:rPr lang="zh-CN" altLang="en-US" smtClean="0"/>
               <a:t>2024/3/10</a:t>
             </a:fld>
@@ -1409,7 +1409,7 @@
           <p:cNvPr id="6" name="页脚占位符 5">
             <a:extLst>
               <a:ext uri="{FF2B5EF4-FFF2-40B4-BE49-F238E27FC236}">
-                <a16:creationId xmlns:a16="http://schemas.microsoft.com/office/drawing/2014/main" id="{C0CC26FD-C82E-2F11-4953-2291EAE4BF0D}"/>
+                <a16:creationId xmlns:a16="http://schemas.microsoft.com/office/drawing/2014/main" id="{D9228452-1A59-3892-FB4B-BC0B8F61F0F1}"/>
               </a:ext>
             </a:extLst>
           </p:cNvPr>
@@ -1434,7 +1434,7 @@
           <p:cNvPr id="7" name="灯片编号占位符 6">
             <a:extLst>
               <a:ext uri="{FF2B5EF4-FFF2-40B4-BE49-F238E27FC236}">
-                <a16:creationId xmlns:a16="http://schemas.microsoft.com/office/drawing/2014/main" id="{CE169B1C-8BA1-584D-85CA-0C5663F47E5D}"/>
+                <a16:creationId xmlns:a16="http://schemas.microsoft.com/office/drawing/2014/main" id="{0E63CC58-B90F-B198-B9C0-2A907D117286}"/>
               </a:ext>
             </a:extLst>
           </p:cNvPr>
@@ -1450,7 +1450,7 @@
           <a:bodyPr/>
           <a:lstStyle/>
           <a:p>
-            <a:fld id="{F0701156-51C2-44A9-A7A4-DFC9663E02CF}" type="slidenum">
+            <a:fld id="{F3D6ADB1-D8EF-4FE8-A3B3-11EA0AC8F44B}" type="slidenum">
               <a:rPr lang="zh-CN" altLang="en-US" smtClean="0"/>
               <a:t>‹#›</a:t>
             </a:fld>
@@ -1461,7 +1461,7 @@
     </p:spTree>
     <p:extLst>
       <p:ext uri="{BB962C8B-B14F-4D97-AF65-F5344CB8AC3E}">
-        <p14:creationId xmlns:p14="http://schemas.microsoft.com/office/powerpoint/2010/main" val="3570119806"/>
+        <p14:creationId xmlns:p14="http://schemas.microsoft.com/office/powerpoint/2010/main" val="2873138655"/>
       </p:ext>
     </p:extLst>
   </p:cSld>
@@ -1493,7 +1493,7 @@
           <p:cNvPr id="2" name="标题 1">
             <a:extLst>
               <a:ext uri="{FF2B5EF4-FFF2-40B4-BE49-F238E27FC236}">
-                <a16:creationId xmlns:a16="http://schemas.microsoft.com/office/drawing/2014/main" id="{2573E0D3-979D-8FF8-0887-FF2ED5183BBD}"/>
+                <a16:creationId xmlns:a16="http://schemas.microsoft.com/office/drawing/2014/main" id="{9A76B5FF-37E6-D2D5-BEF0-DDD892A17A66}"/>
               </a:ext>
             </a:extLst>
           </p:cNvPr>
@@ -1526,7 +1526,7 @@
           <p:cNvPr id="3" name="文本占位符 2">
             <a:extLst>
               <a:ext uri="{FF2B5EF4-FFF2-40B4-BE49-F238E27FC236}">
-                <a16:creationId xmlns:a16="http://schemas.microsoft.com/office/drawing/2014/main" id="{989FB9F0-38CE-7B8B-6A65-0ECB5D821617}"/>
+                <a16:creationId xmlns:a16="http://schemas.microsoft.com/office/drawing/2014/main" id="{F70DF235-3C32-BE4C-839F-F022C6F1477C}"/>
               </a:ext>
             </a:extLst>
           </p:cNvPr>
@@ -1597,7 +1597,7 @@
           <p:cNvPr id="4" name="内容占位符 3">
             <a:extLst>
               <a:ext uri="{FF2B5EF4-FFF2-40B4-BE49-F238E27FC236}">
-                <a16:creationId xmlns:a16="http://schemas.microsoft.com/office/drawing/2014/main" id="{F320EE7A-31ED-01A8-1787-496C30A9F30F}"/>
+                <a16:creationId xmlns:a16="http://schemas.microsoft.com/office/drawing/2014/main" id="{6FC1AC21-2329-D95D-5AC5-1EA234259787}"/>
               </a:ext>
             </a:extLst>
           </p:cNvPr>
@@ -1659,7 +1659,7 @@
           <p:cNvPr id="5" name="文本占位符 4">
             <a:extLst>
               <a:ext uri="{FF2B5EF4-FFF2-40B4-BE49-F238E27FC236}">
-                <a16:creationId xmlns:a16="http://schemas.microsoft.com/office/drawing/2014/main" id="{F79D41BA-4DDA-F2FB-739E-9E27FB906435}"/>
+                <a16:creationId xmlns:a16="http://schemas.microsoft.com/office/drawing/2014/main" id="{838A6D41-4247-0EEF-6EEE-BCB95AEFEF35}"/>
               </a:ext>
             </a:extLst>
           </p:cNvPr>
@@ -1730,7 +1730,7 @@
           <p:cNvPr id="6" name="内容占位符 5">
             <a:extLst>
               <a:ext uri="{FF2B5EF4-FFF2-40B4-BE49-F238E27FC236}">
-                <a16:creationId xmlns:a16="http://schemas.microsoft.com/office/drawing/2014/main" id="{D56E2E0E-83B6-61A2-709F-0031CCC84760}"/>
+                <a16:creationId xmlns:a16="http://schemas.microsoft.com/office/drawing/2014/main" id="{EBE48657-2DED-1786-C094-12B2BA229D53}"/>
               </a:ext>
             </a:extLst>
           </p:cNvPr>
@@ -1792,7 +1792,7 @@
           <p:cNvPr id="7" name="日期占位符 6">
             <a:extLst>
               <a:ext uri="{FF2B5EF4-FFF2-40B4-BE49-F238E27FC236}">
-                <a16:creationId xmlns:a16="http://schemas.microsoft.com/office/drawing/2014/main" id="{5AF4E4E7-0D70-EBF5-8D4C-C6DCD1FE1E87}"/>
+                <a16:creationId xmlns:a16="http://schemas.microsoft.com/office/drawing/2014/main" id="{58882551-1797-B6C3-5364-88541EA5856E}"/>
               </a:ext>
             </a:extLst>
           </p:cNvPr>
@@ -1808,7 +1808,7 @@
           <a:bodyPr/>
           <a:lstStyle/>
           <a:p>
-            <a:fld id="{43A1B00C-DCA3-4AA8-890B-2EDD1DB14556}" type="datetimeFigureOut">
+            <a:fld id="{5A253273-6AF2-4987-B566-54D7F49A4C21}" type="datetimeFigureOut">
               <a:rPr lang="zh-CN" altLang="en-US" smtClean="0"/>
               <a:t>2024/3/10</a:t>
             </a:fld>
@@ -1821,7 +1821,7 @@
           <p:cNvPr id="8" name="页脚占位符 7">
             <a:extLst>
               <a:ext uri="{FF2B5EF4-FFF2-40B4-BE49-F238E27FC236}">
-                <a16:creationId xmlns:a16="http://schemas.microsoft.com/office/drawing/2014/main" id="{7452468F-0B55-3DDA-826D-19CC71AF3CEA}"/>
+                <a16:creationId xmlns:a16="http://schemas.microsoft.com/office/drawing/2014/main" id="{BCA1906E-9FAA-1A23-09C2-8E9DB47EC10F}"/>
               </a:ext>
             </a:extLst>
           </p:cNvPr>
@@ -1846,7 +1846,7 @@
           <p:cNvPr id="9" name="灯片编号占位符 8">
             <a:extLst>
               <a:ext uri="{FF2B5EF4-FFF2-40B4-BE49-F238E27FC236}">
-                <a16:creationId xmlns:a16="http://schemas.microsoft.com/office/drawing/2014/main" id="{D3BA68C7-212E-5141-0F1A-42922045B3D1}"/>
+                <a16:creationId xmlns:a16="http://schemas.microsoft.com/office/drawing/2014/main" id="{007946FD-2CE4-420B-87D2-C9AC1E1C5D70}"/>
               </a:ext>
             </a:extLst>
           </p:cNvPr>
@@ -1862,7 +1862,7 @@
           <a:bodyPr/>
           <a:lstStyle/>
           <a:p>
-            <a:fld id="{F0701156-51C2-44A9-A7A4-DFC9663E02CF}" type="slidenum">
+            <a:fld id="{F3D6ADB1-D8EF-4FE8-A3B3-11EA0AC8F44B}" type="slidenum">
               <a:rPr lang="zh-CN" altLang="en-US" smtClean="0"/>
               <a:t>‹#›</a:t>
             </a:fld>
@@ -1873,7 +1873,7 @@
     </p:spTree>
     <p:extLst>
       <p:ext uri="{BB962C8B-B14F-4D97-AF65-F5344CB8AC3E}">
-        <p14:creationId xmlns:p14="http://schemas.microsoft.com/office/powerpoint/2010/main" val="2442354393"/>
+        <p14:creationId xmlns:p14="http://schemas.microsoft.com/office/powerpoint/2010/main" val="1576029931"/>
       </p:ext>
     </p:extLst>
   </p:cSld>
@@ -1905,7 +1905,7 @@
           <p:cNvPr id="2" name="标题 1">
             <a:extLst>
               <a:ext uri="{FF2B5EF4-FFF2-40B4-BE49-F238E27FC236}">
-                <a16:creationId xmlns:a16="http://schemas.microsoft.com/office/drawing/2014/main" id="{44036239-9E62-A128-057D-DC133CAB6F4A}"/>
+                <a16:creationId xmlns:a16="http://schemas.microsoft.com/office/drawing/2014/main" id="{7636D81C-5D3E-1FDB-758A-457C981132E0}"/>
               </a:ext>
             </a:extLst>
           </p:cNvPr>
@@ -1933,7 +1933,7 @@
           <p:cNvPr id="3" name="日期占位符 2">
             <a:extLst>
               <a:ext uri="{FF2B5EF4-FFF2-40B4-BE49-F238E27FC236}">
-                <a16:creationId xmlns:a16="http://schemas.microsoft.com/office/drawing/2014/main" id="{34E49C9B-11E9-49EA-6391-F6ABBD25E34E}"/>
+                <a16:creationId xmlns:a16="http://schemas.microsoft.com/office/drawing/2014/main" id="{12C9A1E2-7532-F69B-EE6E-1E71D73D2C19}"/>
               </a:ext>
             </a:extLst>
           </p:cNvPr>
@@ -1949,7 +1949,7 @@
           <a:bodyPr/>
           <a:lstStyle/>
           <a:p>
-            <a:fld id="{43A1B00C-DCA3-4AA8-890B-2EDD1DB14556}" type="datetimeFigureOut">
+            <a:fld id="{5A253273-6AF2-4987-B566-54D7F49A4C21}" type="datetimeFigureOut">
               <a:rPr lang="zh-CN" altLang="en-US" smtClean="0"/>
               <a:t>2024/3/10</a:t>
             </a:fld>
@@ -1962,7 +1962,7 @@
           <p:cNvPr id="4" name="页脚占位符 3">
             <a:extLst>
               <a:ext uri="{FF2B5EF4-FFF2-40B4-BE49-F238E27FC236}">
-                <a16:creationId xmlns:a16="http://schemas.microsoft.com/office/drawing/2014/main" id="{E95309C2-F223-2DF9-0E88-F5BB5A36590B}"/>
+                <a16:creationId xmlns:a16="http://schemas.microsoft.com/office/drawing/2014/main" id="{DCBE491C-5092-73EC-6723-6356C8CFB053}"/>
               </a:ext>
             </a:extLst>
           </p:cNvPr>
@@ -1987,7 +1987,7 @@
           <p:cNvPr id="5" name="灯片编号占位符 4">
             <a:extLst>
               <a:ext uri="{FF2B5EF4-FFF2-40B4-BE49-F238E27FC236}">
-                <a16:creationId xmlns:a16="http://schemas.microsoft.com/office/drawing/2014/main" id="{9B8F19FF-F423-2565-4801-A9DDCA4A83B2}"/>
+                <a16:creationId xmlns:a16="http://schemas.microsoft.com/office/drawing/2014/main" id="{82918FFD-1571-DBA1-16A0-EAAA6D122578}"/>
               </a:ext>
             </a:extLst>
           </p:cNvPr>
@@ -2003,7 +2003,7 @@
           <a:bodyPr/>
           <a:lstStyle/>
           <a:p>
-            <a:fld id="{F0701156-51C2-44A9-A7A4-DFC9663E02CF}" type="slidenum">
+            <a:fld id="{F3D6ADB1-D8EF-4FE8-A3B3-11EA0AC8F44B}" type="slidenum">
               <a:rPr lang="zh-CN" altLang="en-US" smtClean="0"/>
               <a:t>‹#›</a:t>
             </a:fld>
@@ -2014,7 +2014,7 @@
     </p:spTree>
     <p:extLst>
       <p:ext uri="{BB962C8B-B14F-4D97-AF65-F5344CB8AC3E}">
-        <p14:creationId xmlns:p14="http://schemas.microsoft.com/office/powerpoint/2010/main" val="2664634488"/>
+        <p14:creationId xmlns:p14="http://schemas.microsoft.com/office/powerpoint/2010/main" val="338113834"/>
       </p:ext>
     </p:extLst>
   </p:cSld>
@@ -2046,7 +2046,7 @@
           <p:cNvPr id="2" name="日期占位符 1">
             <a:extLst>
               <a:ext uri="{FF2B5EF4-FFF2-40B4-BE49-F238E27FC236}">
-                <a16:creationId xmlns:a16="http://schemas.microsoft.com/office/drawing/2014/main" id="{067069DF-2DBD-A825-F75A-89E9A44C3F37}"/>
+                <a16:creationId xmlns:a16="http://schemas.microsoft.com/office/drawing/2014/main" id="{EF0C680D-2341-8DE3-B094-5C0C2A4FBDAE}"/>
               </a:ext>
             </a:extLst>
           </p:cNvPr>
@@ -2062,7 +2062,7 @@
           <a:bodyPr/>
           <a:lstStyle/>
           <a:p>
-            <a:fld id="{43A1B00C-DCA3-4AA8-890B-2EDD1DB14556}" type="datetimeFigureOut">
+            <a:fld id="{5A253273-6AF2-4987-B566-54D7F49A4C21}" type="datetimeFigureOut">
               <a:rPr lang="zh-CN" altLang="en-US" smtClean="0"/>
               <a:t>2024/3/10</a:t>
             </a:fld>
@@ -2075,7 +2075,7 @@
           <p:cNvPr id="3" name="页脚占位符 2">
             <a:extLst>
               <a:ext uri="{FF2B5EF4-FFF2-40B4-BE49-F238E27FC236}">
-                <a16:creationId xmlns:a16="http://schemas.microsoft.com/office/drawing/2014/main" id="{A46392EA-8BA3-0A62-E0D6-FB588C3ED761}"/>
+                <a16:creationId xmlns:a16="http://schemas.microsoft.com/office/drawing/2014/main" id="{3D9EF4D1-3361-CC08-9F4D-61E44302EDA3}"/>
               </a:ext>
             </a:extLst>
           </p:cNvPr>
@@ -2100,7 +2100,7 @@
           <p:cNvPr id="4" name="灯片编号占位符 3">
             <a:extLst>
               <a:ext uri="{FF2B5EF4-FFF2-40B4-BE49-F238E27FC236}">
-                <a16:creationId xmlns:a16="http://schemas.microsoft.com/office/drawing/2014/main" id="{DAC82AE1-DA5C-22AE-D3DD-F2BD522E498D}"/>
+                <a16:creationId xmlns:a16="http://schemas.microsoft.com/office/drawing/2014/main" id="{B0EF3B33-2F40-912E-9D8B-3F9FF8839940}"/>
               </a:ext>
             </a:extLst>
           </p:cNvPr>
@@ -2116,7 +2116,7 @@
           <a:bodyPr/>
           <a:lstStyle/>
           <a:p>
-            <a:fld id="{F0701156-51C2-44A9-A7A4-DFC9663E02CF}" type="slidenum">
+            <a:fld id="{F3D6ADB1-D8EF-4FE8-A3B3-11EA0AC8F44B}" type="slidenum">
               <a:rPr lang="zh-CN" altLang="en-US" smtClean="0"/>
               <a:t>‹#›</a:t>
             </a:fld>
@@ -2127,7 +2127,7 @@
     </p:spTree>
     <p:extLst>
       <p:ext uri="{BB962C8B-B14F-4D97-AF65-F5344CB8AC3E}">
-        <p14:creationId xmlns:p14="http://schemas.microsoft.com/office/powerpoint/2010/main" val="1926762005"/>
+        <p14:creationId xmlns:p14="http://schemas.microsoft.com/office/powerpoint/2010/main" val="607151439"/>
       </p:ext>
     </p:extLst>
   </p:cSld>
@@ -2159,7 +2159,7 @@
           <p:cNvPr id="2" name="标题 1">
             <a:extLst>
               <a:ext uri="{FF2B5EF4-FFF2-40B4-BE49-F238E27FC236}">
-                <a16:creationId xmlns:a16="http://schemas.microsoft.com/office/drawing/2014/main" id="{5027C7A7-2E45-C07A-F9E8-E892A215C490}"/>
+                <a16:creationId xmlns:a16="http://schemas.microsoft.com/office/drawing/2014/main" id="{0B528E26-A1C0-CD91-1693-0F7E9C3DF2AF}"/>
               </a:ext>
             </a:extLst>
           </p:cNvPr>
@@ -2196,7 +2196,7 @@
           <p:cNvPr id="3" name="内容占位符 2">
             <a:extLst>
               <a:ext uri="{FF2B5EF4-FFF2-40B4-BE49-F238E27FC236}">
-                <a16:creationId xmlns:a16="http://schemas.microsoft.com/office/drawing/2014/main" id="{17434E39-1E36-3060-D7D8-0B1B97DCD039}"/>
+                <a16:creationId xmlns:a16="http://schemas.microsoft.com/office/drawing/2014/main" id="{6774CFF6-8BCC-85EB-1D78-33438BE96F39}"/>
               </a:ext>
             </a:extLst>
           </p:cNvPr>
@@ -2286,7 +2286,7 @@
           <p:cNvPr id="4" name="文本占位符 3">
             <a:extLst>
               <a:ext uri="{FF2B5EF4-FFF2-40B4-BE49-F238E27FC236}">
-                <a16:creationId xmlns:a16="http://schemas.microsoft.com/office/drawing/2014/main" id="{EC6B65C3-01B0-2DE1-1AAD-546F2C6E8555}"/>
+                <a16:creationId xmlns:a16="http://schemas.microsoft.com/office/drawing/2014/main" id="{0E2FB37A-157E-92B0-FF9C-0FE88C427DE6}"/>
               </a:ext>
             </a:extLst>
           </p:cNvPr>
@@ -2357,7 +2357,7 @@
           <p:cNvPr id="5" name="日期占位符 4">
             <a:extLst>
               <a:ext uri="{FF2B5EF4-FFF2-40B4-BE49-F238E27FC236}">
-                <a16:creationId xmlns:a16="http://schemas.microsoft.com/office/drawing/2014/main" id="{8448E37C-DE44-C466-0365-D178E77C6A95}"/>
+                <a16:creationId xmlns:a16="http://schemas.microsoft.com/office/drawing/2014/main" id="{B7F2B1BA-0059-2A99-B064-D9E8D04DD1AA}"/>
               </a:ext>
             </a:extLst>
           </p:cNvPr>
@@ -2373,7 +2373,7 @@
           <a:bodyPr/>
           <a:lstStyle/>
           <a:p>
-            <a:fld id="{43A1B00C-DCA3-4AA8-890B-2EDD1DB14556}" type="datetimeFigureOut">
+            <a:fld id="{5A253273-6AF2-4987-B566-54D7F49A4C21}" type="datetimeFigureOut">
               <a:rPr lang="zh-CN" altLang="en-US" smtClean="0"/>
               <a:t>2024/3/10</a:t>
             </a:fld>
@@ -2386,7 +2386,7 @@
           <p:cNvPr id="6" name="页脚占位符 5">
             <a:extLst>
               <a:ext uri="{FF2B5EF4-FFF2-40B4-BE49-F238E27FC236}">
-                <a16:creationId xmlns:a16="http://schemas.microsoft.com/office/drawing/2014/main" id="{D323B7CB-3CC2-C040-3054-BA681C6AB97E}"/>
+                <a16:creationId xmlns:a16="http://schemas.microsoft.com/office/drawing/2014/main" id="{216A7C36-4987-0AE2-BE92-225B234B435E}"/>
               </a:ext>
             </a:extLst>
           </p:cNvPr>
@@ -2411,7 +2411,7 @@
           <p:cNvPr id="7" name="灯片编号占位符 6">
             <a:extLst>
               <a:ext uri="{FF2B5EF4-FFF2-40B4-BE49-F238E27FC236}">
-                <a16:creationId xmlns:a16="http://schemas.microsoft.com/office/drawing/2014/main" id="{5A9C7B98-6B6A-771E-2747-4ECF63E8F0AF}"/>
+                <a16:creationId xmlns:a16="http://schemas.microsoft.com/office/drawing/2014/main" id="{1D1608E2-C49A-4DB7-B3FF-051F4D314F54}"/>
               </a:ext>
             </a:extLst>
           </p:cNvPr>
@@ -2427,7 +2427,7 @@
           <a:bodyPr/>
           <a:lstStyle/>
           <a:p>
-            <a:fld id="{F0701156-51C2-44A9-A7A4-DFC9663E02CF}" type="slidenum">
+            <a:fld id="{F3D6ADB1-D8EF-4FE8-A3B3-11EA0AC8F44B}" type="slidenum">
               <a:rPr lang="zh-CN" altLang="en-US" smtClean="0"/>
               <a:t>‹#›</a:t>
             </a:fld>
@@ -2438,7 +2438,7 @@
     </p:spTree>
     <p:extLst>
       <p:ext uri="{BB962C8B-B14F-4D97-AF65-F5344CB8AC3E}">
-        <p14:creationId xmlns:p14="http://schemas.microsoft.com/office/powerpoint/2010/main" val="4091118571"/>
+        <p14:creationId xmlns:p14="http://schemas.microsoft.com/office/powerpoint/2010/main" val="3879372324"/>
       </p:ext>
     </p:extLst>
   </p:cSld>
@@ -2470,7 +2470,7 @@
           <p:cNvPr id="2" name="标题 1">
             <a:extLst>
               <a:ext uri="{FF2B5EF4-FFF2-40B4-BE49-F238E27FC236}">
-                <a16:creationId xmlns:a16="http://schemas.microsoft.com/office/drawing/2014/main" id="{95759B6C-6163-ED9A-992A-B2C515FBDF93}"/>
+                <a16:creationId xmlns:a16="http://schemas.microsoft.com/office/drawing/2014/main" id="{CB34D184-6F8D-D123-5C2A-3A43C3F88C0B}"/>
               </a:ext>
             </a:extLst>
           </p:cNvPr>
@@ -2507,7 +2507,7 @@
           <p:cNvPr id="3" name="图片占位符 2">
             <a:extLst>
               <a:ext uri="{FF2B5EF4-FFF2-40B4-BE49-F238E27FC236}">
-                <a16:creationId xmlns:a16="http://schemas.microsoft.com/office/drawing/2014/main" id="{43F87F28-016C-13DD-D34F-C2270023CBEC}"/>
+                <a16:creationId xmlns:a16="http://schemas.microsoft.com/office/drawing/2014/main" id="{A4E21143-CEDE-26C0-F60E-6FF6F75E7208}"/>
               </a:ext>
             </a:extLst>
           </p:cNvPr>
@@ -2574,7 +2574,7 @@
           <p:cNvPr id="4" name="文本占位符 3">
             <a:extLst>
               <a:ext uri="{FF2B5EF4-FFF2-40B4-BE49-F238E27FC236}">
-                <a16:creationId xmlns:a16="http://schemas.microsoft.com/office/drawing/2014/main" id="{865A3205-97A6-8414-E98F-12D2D1AC0F50}"/>
+                <a16:creationId xmlns:a16="http://schemas.microsoft.com/office/drawing/2014/main" id="{423ED5CE-9E3C-BE08-3259-67259522BE69}"/>
               </a:ext>
             </a:extLst>
           </p:cNvPr>
@@ -2645,7 +2645,7 @@
           <p:cNvPr id="5" name="日期占位符 4">
             <a:extLst>
               <a:ext uri="{FF2B5EF4-FFF2-40B4-BE49-F238E27FC236}">
-                <a16:creationId xmlns:a16="http://schemas.microsoft.com/office/drawing/2014/main" id="{C80F67E1-039B-3C07-A07F-3EFD08B67E42}"/>
+                <a16:creationId xmlns:a16="http://schemas.microsoft.com/office/drawing/2014/main" id="{15452083-8DDB-CAEA-EFFD-44B4E2FE7ADB}"/>
               </a:ext>
             </a:extLst>
           </p:cNvPr>
@@ -2661,7 +2661,7 @@
           <a:bodyPr/>
           <a:lstStyle/>
           <a:p>
-            <a:fld id="{43A1B00C-DCA3-4AA8-890B-2EDD1DB14556}" type="datetimeFigureOut">
+            <a:fld id="{5A253273-6AF2-4987-B566-54D7F49A4C21}" type="datetimeFigureOut">
               <a:rPr lang="zh-CN" altLang="en-US" smtClean="0"/>
               <a:t>2024/3/10</a:t>
             </a:fld>
@@ -2674,7 +2674,7 @@
           <p:cNvPr id="6" name="页脚占位符 5">
             <a:extLst>
               <a:ext uri="{FF2B5EF4-FFF2-40B4-BE49-F238E27FC236}">
-                <a16:creationId xmlns:a16="http://schemas.microsoft.com/office/drawing/2014/main" id="{25393B18-53CF-CDC5-F568-2BD45A482436}"/>
+                <a16:creationId xmlns:a16="http://schemas.microsoft.com/office/drawing/2014/main" id="{5AAB8D3B-A4B0-FF8C-D2EC-3165503EDDCA}"/>
               </a:ext>
             </a:extLst>
           </p:cNvPr>
@@ -2699,7 +2699,7 @@
           <p:cNvPr id="7" name="灯片编号占位符 6">
             <a:extLst>
               <a:ext uri="{FF2B5EF4-FFF2-40B4-BE49-F238E27FC236}">
-                <a16:creationId xmlns:a16="http://schemas.microsoft.com/office/drawing/2014/main" id="{55B072FC-8A22-3005-FACB-3B6B58315570}"/>
+                <a16:creationId xmlns:a16="http://schemas.microsoft.com/office/drawing/2014/main" id="{AD9ABE3A-E7E3-55FE-38CD-C106E1E213A3}"/>
               </a:ext>
             </a:extLst>
           </p:cNvPr>
@@ -2715,7 +2715,7 @@
           <a:bodyPr/>
           <a:lstStyle/>
           <a:p>
-            <a:fld id="{F0701156-51C2-44A9-A7A4-DFC9663E02CF}" type="slidenum">
+            <a:fld id="{F3D6ADB1-D8EF-4FE8-A3B3-11EA0AC8F44B}" type="slidenum">
               <a:rPr lang="zh-CN" altLang="en-US" smtClean="0"/>
               <a:t>‹#›</a:t>
             </a:fld>
@@ -2726,7 +2726,7 @@
     </p:spTree>
     <p:extLst>
       <p:ext uri="{BB962C8B-B14F-4D97-AF65-F5344CB8AC3E}">
-        <p14:creationId xmlns:p14="http://schemas.microsoft.com/office/powerpoint/2010/main" val="1714081468"/>
+        <p14:creationId xmlns:p14="http://schemas.microsoft.com/office/powerpoint/2010/main" val="3209702755"/>
       </p:ext>
     </p:extLst>
   </p:cSld>
@@ -2763,7 +2763,7 @@
           <p:cNvPr id="2" name="标题占位符 1">
             <a:extLst>
               <a:ext uri="{FF2B5EF4-FFF2-40B4-BE49-F238E27FC236}">
-                <a16:creationId xmlns:a16="http://schemas.microsoft.com/office/drawing/2014/main" id="{263851EB-A9EA-883A-6F19-B9D99821AB85}"/>
+                <a16:creationId xmlns:a16="http://schemas.microsoft.com/office/drawing/2014/main" id="{BA782477-FD6B-F2E5-C83C-62BBA337D707}"/>
               </a:ext>
             </a:extLst>
           </p:cNvPr>
@@ -2801,7 +2801,7 @@
           <p:cNvPr id="3" name="文本占位符 2">
             <a:extLst>
               <a:ext uri="{FF2B5EF4-FFF2-40B4-BE49-F238E27FC236}">
-                <a16:creationId xmlns:a16="http://schemas.microsoft.com/office/drawing/2014/main" id="{70A45F7A-857F-6C99-25E4-173076E87792}"/>
+                <a16:creationId xmlns:a16="http://schemas.microsoft.com/office/drawing/2014/main" id="{8801FCB7-D21E-5748-D0D9-7C483633AC8C}"/>
               </a:ext>
             </a:extLst>
           </p:cNvPr>
@@ -2868,7 +2868,7 @@
           <p:cNvPr id="4" name="日期占位符 3">
             <a:extLst>
               <a:ext uri="{FF2B5EF4-FFF2-40B4-BE49-F238E27FC236}">
-                <a16:creationId xmlns:a16="http://schemas.microsoft.com/office/drawing/2014/main" id="{B8BD5F50-D66F-5455-A590-AA83C0CB22BB}"/>
+                <a16:creationId xmlns:a16="http://schemas.microsoft.com/office/drawing/2014/main" id="{AF5C653C-7D1E-FBF7-6880-5CF5CA781982}"/>
               </a:ext>
             </a:extLst>
           </p:cNvPr>
@@ -2902,7 +2902,7 @@
             </a:lvl1pPr>
           </a:lstStyle>
           <a:p>
-            <a:fld id="{43A1B00C-DCA3-4AA8-890B-2EDD1DB14556}" type="datetimeFigureOut">
+            <a:fld id="{5A253273-6AF2-4987-B566-54D7F49A4C21}" type="datetimeFigureOut">
               <a:rPr lang="zh-CN" altLang="en-US" smtClean="0"/>
               <a:t>2024/3/10</a:t>
             </a:fld>
@@ -2915,7 +2915,7 @@
           <p:cNvPr id="5" name="页脚占位符 4">
             <a:extLst>
               <a:ext uri="{FF2B5EF4-FFF2-40B4-BE49-F238E27FC236}">
-                <a16:creationId xmlns:a16="http://schemas.microsoft.com/office/drawing/2014/main" id="{941D280E-B11B-02C6-E60B-1176FFDA01D4}"/>
+                <a16:creationId xmlns:a16="http://schemas.microsoft.com/office/drawing/2014/main" id="{DF0E2A97-A826-DBE4-0974-179FC61FA1AE}"/>
               </a:ext>
             </a:extLst>
           </p:cNvPr>
@@ -2958,7 +2958,7 @@
           <p:cNvPr id="6" name="灯片编号占位符 5">
             <a:extLst>
               <a:ext uri="{FF2B5EF4-FFF2-40B4-BE49-F238E27FC236}">
-                <a16:creationId xmlns:a16="http://schemas.microsoft.com/office/drawing/2014/main" id="{013536E8-7555-DD4B-6C4A-52485ECA0945}"/>
+                <a16:creationId xmlns:a16="http://schemas.microsoft.com/office/drawing/2014/main" id="{3ED7B46F-38A8-9403-B52D-39879B61A8AC}"/>
               </a:ext>
             </a:extLst>
           </p:cNvPr>
@@ -2992,7 +2992,7 @@
             </a:lvl1pPr>
           </a:lstStyle>
           <a:p>
-            <a:fld id="{F0701156-51C2-44A9-A7A4-DFC9663E02CF}" type="slidenum">
+            <a:fld id="{F3D6ADB1-D8EF-4FE8-A3B3-11EA0AC8F44B}" type="slidenum">
               <a:rPr lang="zh-CN" altLang="en-US" smtClean="0"/>
               <a:t>‹#›</a:t>
             </a:fld>
@@ -3003,7 +3003,7 @@
     </p:spTree>
     <p:extLst>
       <p:ext uri="{BB962C8B-B14F-4D97-AF65-F5344CB8AC3E}">
-        <p14:creationId xmlns:p14="http://schemas.microsoft.com/office/powerpoint/2010/main" val="3786779498"/>
+        <p14:creationId xmlns:p14="http://schemas.microsoft.com/office/powerpoint/2010/main" val="3480346349"/>
       </p:ext>
     </p:extLst>
   </p:cSld>
